--- a/Documentação/Rabbit - Grupo 05.pptx
+++ b/Documentação/Rabbit - Grupo 05.pptx
@@ -5,7 +5,7 @@
     <p:sldMasterId id="2147483648" r:id="rId4"/>
   </p:sldMasterIdLst>
   <p:notesMasterIdLst>
-    <p:notesMasterId r:id="rId23"/>
+    <p:notesMasterId r:id="rId24"/>
   </p:notesMasterIdLst>
   <p:sldIdLst>
     <p:sldId id="313" r:id="rId5"/>
@@ -26,6 +26,7 @@
     <p:sldId id="336" r:id="rId20"/>
     <p:sldId id="335" r:id="rId21"/>
     <p:sldId id="338" r:id="rId22"/>
+    <p:sldId id="342" r:id="rId23"/>
   </p:sldIdLst>
   <p:sldSz cx="12192000" cy="6858000"/>
   <p:notesSz cx="6858000" cy="9144000"/>
@@ -135,6 +136,7 @@
 <file path=ppt/revisionInfo.xml><?xml version="1.0" encoding="utf-8"?>
 <p1510:revInfo xmlns:a="http://schemas.openxmlformats.org/drawingml/2006/main" xmlns:r="http://schemas.openxmlformats.org/officeDocument/2006/relationships" xmlns:p1510="http://schemas.microsoft.com/office/powerpoint/2015/10/main">
   <p1510:revLst>
+    <p1510:client id="{12D7C171-97C9-44FF-9E10-CC3DE7DD8CB3}" v="5" dt="2022-12-04T05:53:29.182"/>
     <p1510:client id="{31E19B09-1F5C-48BB-BD23-5E707B49D567}" v="23" dt="2022-12-03T22:41:17.477"/>
     <p1510:client id="{7D3F13A1-3973-4F88-870E-C3EFB92B9504}" v="257" dt="2022-12-03T20:37:10.916"/>
   </p1510:revLst>
@@ -1095,6 +1097,108 @@
       </pc:sldChg>
     </pc:docChg>
   </pc:docChgLst>
+  <pc:docChgLst>
+    <pc:chgData name="Gustavo Antonio" userId="f7bfaceb9b934208" providerId="LiveId" clId="{12D7C171-97C9-44FF-9E10-CC3DE7DD8CB3}"/>
+    <pc:docChg chg="undo custSel addSld modSld">
+      <pc:chgData name="Gustavo Antonio" userId="f7bfaceb9b934208" providerId="LiveId" clId="{12D7C171-97C9-44FF-9E10-CC3DE7DD8CB3}" dt="2022-12-04T05:53:29.182" v="296" actId="1076"/>
+      <pc:docMkLst>
+        <pc:docMk/>
+      </pc:docMkLst>
+      <pc:sldChg chg="modSp mod">
+        <pc:chgData name="Gustavo Antonio" userId="f7bfaceb9b934208" providerId="LiveId" clId="{12D7C171-97C9-44FF-9E10-CC3DE7DD8CB3}" dt="2022-12-04T05:45:24.752" v="283" actId="313"/>
+        <pc:sldMkLst>
+          <pc:docMk/>
+          <pc:sldMk cId="1604891360" sldId="267"/>
+        </pc:sldMkLst>
+        <pc:spChg chg="mod">
+          <ac:chgData name="Gustavo Antonio" userId="f7bfaceb9b934208" providerId="LiveId" clId="{12D7C171-97C9-44FF-9E10-CC3DE7DD8CB3}" dt="2022-12-04T05:43:51.396" v="201" actId="20577"/>
+          <ac:spMkLst>
+            <pc:docMk/>
+            <pc:sldMk cId="1604891360" sldId="267"/>
+            <ac:spMk id="82" creationId="{47CF6540-6A1C-4A70-8BA0-6A13694F1AE2}"/>
+          </ac:spMkLst>
+        </pc:spChg>
+        <pc:spChg chg="mod">
+          <ac:chgData name="Gustavo Antonio" userId="f7bfaceb9b934208" providerId="LiveId" clId="{12D7C171-97C9-44FF-9E10-CC3DE7DD8CB3}" dt="2022-12-04T05:44:44.394" v="204" actId="20577"/>
+          <ac:spMkLst>
+            <pc:docMk/>
+            <pc:sldMk cId="1604891360" sldId="267"/>
+            <ac:spMk id="149" creationId="{9D611317-439A-40F5-AA3E-CF88472F54C4}"/>
+          </ac:spMkLst>
+        </pc:spChg>
+        <pc:spChg chg="mod">
+          <ac:chgData name="Gustavo Antonio" userId="f7bfaceb9b934208" providerId="LiveId" clId="{12D7C171-97C9-44FF-9E10-CC3DE7DD8CB3}" dt="2022-12-04T05:43:54.510" v="202" actId="313"/>
+          <ac:spMkLst>
+            <pc:docMk/>
+            <pc:sldMk cId="1604891360" sldId="267"/>
+            <ac:spMk id="173" creationId="{1B5D0D81-8352-40FD-B232-D587379A48F6}"/>
+          </ac:spMkLst>
+        </pc:spChg>
+        <pc:spChg chg="mod">
+          <ac:chgData name="Gustavo Antonio" userId="f7bfaceb9b934208" providerId="LiveId" clId="{12D7C171-97C9-44FF-9E10-CC3DE7DD8CB3}" dt="2022-12-04T05:45:24.752" v="283" actId="313"/>
+          <ac:spMkLst>
+            <pc:docMk/>
+            <pc:sldMk cId="1604891360" sldId="267"/>
+            <ac:spMk id="174" creationId="{AFFA4C3C-8D8D-4DAB-A3FC-6ACD990091D0}"/>
+          </ac:spMkLst>
+        </pc:spChg>
+      </pc:sldChg>
+      <pc:sldChg chg="addSp delSp mod">
+        <pc:chgData name="Gustavo Antonio" userId="f7bfaceb9b934208" providerId="LiveId" clId="{12D7C171-97C9-44FF-9E10-CC3DE7DD8CB3}" dt="2022-12-04T05:52:15.275" v="285" actId="22"/>
+        <pc:sldMkLst>
+          <pc:docMk/>
+          <pc:sldMk cId="3972608977" sldId="338"/>
+        </pc:sldMkLst>
+        <pc:spChg chg="add del">
+          <ac:chgData name="Gustavo Antonio" userId="f7bfaceb9b934208" providerId="LiveId" clId="{12D7C171-97C9-44FF-9E10-CC3DE7DD8CB3}" dt="2022-12-04T05:52:15.275" v="285" actId="22"/>
+          <ac:spMkLst>
+            <pc:docMk/>
+            <pc:sldMk cId="3972608977" sldId="338"/>
+            <ac:spMk id="4" creationId="{E2AECEA7-8395-24B5-AE88-64579AC433A7}"/>
+          </ac:spMkLst>
+        </pc:spChg>
+      </pc:sldChg>
+      <pc:sldChg chg="addSp delSp modSp add mod">
+        <pc:chgData name="Gustavo Antonio" userId="f7bfaceb9b934208" providerId="LiveId" clId="{12D7C171-97C9-44FF-9E10-CC3DE7DD8CB3}" dt="2022-12-04T05:53:29.182" v="296" actId="1076"/>
+        <pc:sldMkLst>
+          <pc:docMk/>
+          <pc:sldMk cId="2268549994" sldId="342"/>
+        </pc:sldMkLst>
+        <pc:spChg chg="del">
+          <ac:chgData name="Gustavo Antonio" userId="f7bfaceb9b934208" providerId="LiveId" clId="{12D7C171-97C9-44FF-9E10-CC3DE7DD8CB3}" dt="2022-12-04T05:52:19.866" v="288" actId="478"/>
+          <ac:spMkLst>
+            <pc:docMk/>
+            <pc:sldMk cId="2268549994" sldId="342"/>
+            <ac:spMk id="2" creationId="{03A5AED4-46B9-38E3-5AE8-02ACE55814FD}"/>
+          </ac:spMkLst>
+        </pc:spChg>
+        <pc:picChg chg="add del mod">
+          <ac:chgData name="Gustavo Antonio" userId="f7bfaceb9b934208" providerId="LiveId" clId="{12D7C171-97C9-44FF-9E10-CC3DE7DD8CB3}" dt="2022-12-04T05:53:22.579" v="293" actId="478"/>
+          <ac:picMkLst>
+            <pc:docMk/>
+            <pc:sldMk cId="2268549994" sldId="342"/>
+            <ac:picMk id="3" creationId="{81E756F8-6D6C-D198-7B5A-821E106588FA}"/>
+          </ac:picMkLst>
+        </pc:picChg>
+        <pc:picChg chg="del">
+          <ac:chgData name="Gustavo Antonio" userId="f7bfaceb9b934208" providerId="LiveId" clId="{12D7C171-97C9-44FF-9E10-CC3DE7DD8CB3}" dt="2022-12-04T05:52:17.782" v="287" actId="478"/>
+          <ac:picMkLst>
+            <pc:docMk/>
+            <pc:sldMk cId="2268549994" sldId="342"/>
+            <ac:picMk id="15" creationId="{42A28581-979E-9885-E547-1A0CAD8A44D0}"/>
+          </ac:picMkLst>
+        </pc:picChg>
+        <pc:picChg chg="add mod">
+          <ac:chgData name="Gustavo Antonio" userId="f7bfaceb9b934208" providerId="LiveId" clId="{12D7C171-97C9-44FF-9E10-CC3DE7DD8CB3}" dt="2022-12-04T05:53:29.182" v="296" actId="1076"/>
+          <ac:picMkLst>
+            <pc:docMk/>
+            <pc:sldMk cId="2268549994" sldId="342"/>
+            <ac:picMk id="1026" creationId="{3AE6E602-63F7-A4AF-5C13-40A56A9B2EE4}"/>
+          </ac:picMkLst>
+        </pc:picChg>
+      </pc:sldChg>
+    </pc:docChg>
+  </pc:docChgLst>
 </pc:chgInfo>
 </file>
 
@@ -1180,7 +1284,7 @@
           <a:p>
             <a:fld id="{8BEEEAAD-2F0A-4890-A5F4-D187DC96A294}" type="datetimeFigureOut">
               <a:rPr lang="pt-BR" smtClean="0"/>
-              <a:t>03/12/2022</a:t>
+              <a:t>04/12/2022</a:t>
             </a:fld>
             <a:endParaRPr lang="pt-BR"/>
           </a:p>
@@ -1750,6 +1854,115 @@
 </p:notes>
 </file>
 
+<file path=ppt/notesSlides/notesSlide12.xml><?xml version="1.0" encoding="utf-8"?>
+<p:notes xmlns:a="http://schemas.openxmlformats.org/drawingml/2006/main" xmlns:r="http://schemas.openxmlformats.org/officeDocument/2006/relationships" xmlns:p="http://schemas.openxmlformats.org/presentationml/2006/main" showMasterSp="0" showMasterPhAnim="0">
+  <p:cSld>
+    <p:spTree>
+      <p:nvGrpSpPr>
+        <p:cNvPr id="1" name="Shape 181"/>
+        <p:cNvGrpSpPr/>
+        <p:nvPr/>
+      </p:nvGrpSpPr>
+      <p:grpSpPr>
+        <a:xfrm>
+          <a:off x="0" y="0"/>
+          <a:ext cx="0" cy="0"/>
+          <a:chOff x="0" y="0"/>
+          <a:chExt cx="0" cy="0"/>
+        </a:xfrm>
+      </p:grpSpPr>
+      <p:sp>
+        <p:nvSpPr>
+          <p:cNvPr id="182" name="Google Shape;182;p:notes"/>
+          <p:cNvSpPr>
+            <a:spLocks noGrp="1" noRot="1" noChangeAspect="1"/>
+          </p:cNvSpPr>
+          <p:nvPr>
+            <p:ph type="sldImg" idx="2"/>
+          </p:nvPr>
+        </p:nvSpPr>
+        <p:spPr>
+          <a:xfrm>
+            <a:off x="381000" y="685800"/>
+            <a:ext cx="6096000" cy="3429000"/>
+          </a:xfrm>
+          <a:custGeom>
+            <a:avLst/>
+            <a:gdLst/>
+            <a:ahLst/>
+            <a:cxnLst/>
+            <a:rect l="l" t="t" r="r" b="b"/>
+            <a:pathLst>
+              <a:path w="120000" h="120000" extrusionOk="0">
+                <a:moveTo>
+                  <a:pt x="0" y="0"/>
+                </a:moveTo>
+                <a:lnTo>
+                  <a:pt x="120000" y="0"/>
+                </a:lnTo>
+                <a:lnTo>
+                  <a:pt x="120000" y="120000"/>
+                </a:lnTo>
+                <a:lnTo>
+                  <a:pt x="0" y="120000"/>
+                </a:lnTo>
+                <a:close/>
+              </a:path>
+            </a:pathLst>
+          </a:custGeom>
+        </p:spPr>
+      </p:sp>
+      <p:sp>
+        <p:nvSpPr>
+          <p:cNvPr id="183" name="Google Shape;183;p:notes"/>
+          <p:cNvSpPr txBox="1">
+            <a:spLocks noGrp="1"/>
+          </p:cNvSpPr>
+          <p:nvPr>
+            <p:ph type="body" idx="1"/>
+          </p:nvPr>
+        </p:nvSpPr>
+        <p:spPr>
+          <a:xfrm>
+            <a:off x="685800" y="4343400"/>
+            <a:ext cx="5486400" cy="4114800"/>
+          </a:xfrm>
+          <a:prstGeom prst="rect">
+            <a:avLst/>
+          </a:prstGeom>
+        </p:spPr>
+        <p:txBody>
+          <a:bodyPr spcFirstLastPara="1" wrap="square" lIns="91425" tIns="91425" rIns="91425" bIns="91425" anchor="t" anchorCtr="0">
+            <a:noAutofit/>
+          </a:bodyPr>
+          <a:lstStyle/>
+          <a:p>
+            <a:pPr marL="0" lvl="0" indent="0" algn="l" rtl="0">
+              <a:spcBef>
+                <a:spcPts val="0"/>
+              </a:spcBef>
+              <a:spcAft>
+                <a:spcPts val="0"/>
+              </a:spcAft>
+              <a:buNone/>
+            </a:pPr>
+            <a:endParaRPr dirty="0"/>
+          </a:p>
+        </p:txBody>
+      </p:sp>
+    </p:spTree>
+    <p:extLst>
+      <p:ext uri="{BB962C8B-B14F-4D97-AF65-F5344CB8AC3E}">
+        <p14:creationId xmlns:p14="http://schemas.microsoft.com/office/powerpoint/2010/main" val="3219298928"/>
+      </p:ext>
+    </p:extLst>
+  </p:cSld>
+  <p:clrMapOvr>
+    <a:masterClrMapping/>
+  </p:clrMapOvr>
+</p:notes>
+</file>
+
 <file path=ppt/notesSlides/notesSlide2.xml><?xml version="1.0" encoding="utf-8"?>
 <p:notes xmlns:a="http://schemas.openxmlformats.org/drawingml/2006/main" xmlns:r="http://schemas.openxmlformats.org/officeDocument/2006/relationships" xmlns:p="http://schemas.openxmlformats.org/presentationml/2006/main">
   <p:cSld>
@@ -2578,7 +2791,7 @@
           <a:p>
             <a:fld id="{ED2383C3-F930-4DE8-BC2A-37CACE510DBB}" type="datetimeFigureOut">
               <a:rPr lang="pt-BR" smtClean="0"/>
-              <a:t>03/12/2022</a:t>
+              <a:t>04/12/2022</a:t>
             </a:fld>
             <a:endParaRPr lang="pt-BR"/>
           </a:p>
@@ -2776,7 +2989,7 @@
           <a:p>
             <a:fld id="{ED2383C3-F930-4DE8-BC2A-37CACE510DBB}" type="datetimeFigureOut">
               <a:rPr lang="pt-BR" smtClean="0"/>
-              <a:t>03/12/2022</a:t>
+              <a:t>04/12/2022</a:t>
             </a:fld>
             <a:endParaRPr lang="pt-BR"/>
           </a:p>
@@ -2984,7 +3197,7 @@
           <a:p>
             <a:fld id="{ED2383C3-F930-4DE8-BC2A-37CACE510DBB}" type="datetimeFigureOut">
               <a:rPr lang="pt-BR" smtClean="0"/>
-              <a:t>03/12/2022</a:t>
+              <a:t>04/12/2022</a:t>
             </a:fld>
             <a:endParaRPr lang="pt-BR"/>
           </a:p>
@@ -6002,7 +6215,7 @@
           <a:p>
             <a:fld id="{ED2383C3-F930-4DE8-BC2A-37CACE510DBB}" type="datetimeFigureOut">
               <a:rPr lang="pt-BR" smtClean="0"/>
-              <a:t>03/12/2022</a:t>
+              <a:t>04/12/2022</a:t>
             </a:fld>
             <a:endParaRPr lang="pt-BR"/>
           </a:p>
@@ -6277,7 +6490,7 @@
           <a:p>
             <a:fld id="{ED2383C3-F930-4DE8-BC2A-37CACE510DBB}" type="datetimeFigureOut">
               <a:rPr lang="pt-BR" smtClean="0"/>
-              <a:t>03/12/2022</a:t>
+              <a:t>04/12/2022</a:t>
             </a:fld>
             <a:endParaRPr lang="pt-BR"/>
           </a:p>
@@ -6542,7 +6755,7 @@
           <a:p>
             <a:fld id="{ED2383C3-F930-4DE8-BC2A-37CACE510DBB}" type="datetimeFigureOut">
               <a:rPr lang="pt-BR" smtClean="0"/>
-              <a:t>03/12/2022</a:t>
+              <a:t>04/12/2022</a:t>
             </a:fld>
             <a:endParaRPr lang="pt-BR"/>
           </a:p>
@@ -6954,7 +7167,7 @@
           <a:p>
             <a:fld id="{ED2383C3-F930-4DE8-BC2A-37CACE510DBB}" type="datetimeFigureOut">
               <a:rPr lang="pt-BR" smtClean="0"/>
-              <a:t>03/12/2022</a:t>
+              <a:t>04/12/2022</a:t>
             </a:fld>
             <a:endParaRPr lang="pt-BR"/>
           </a:p>
@@ -7095,7 +7308,7 @@
           <a:p>
             <a:fld id="{ED2383C3-F930-4DE8-BC2A-37CACE510DBB}" type="datetimeFigureOut">
               <a:rPr lang="pt-BR" smtClean="0"/>
-              <a:t>03/12/2022</a:t>
+              <a:t>04/12/2022</a:t>
             </a:fld>
             <a:endParaRPr lang="pt-BR"/>
           </a:p>
@@ -7208,7 +7421,7 @@
           <a:p>
             <a:fld id="{ED2383C3-F930-4DE8-BC2A-37CACE510DBB}" type="datetimeFigureOut">
               <a:rPr lang="pt-BR" smtClean="0"/>
-              <a:t>03/12/2022</a:t>
+              <a:t>04/12/2022</a:t>
             </a:fld>
             <a:endParaRPr lang="pt-BR"/>
           </a:p>
@@ -7519,7 +7732,7 @@
           <a:p>
             <a:fld id="{ED2383C3-F930-4DE8-BC2A-37CACE510DBB}" type="datetimeFigureOut">
               <a:rPr lang="pt-BR" smtClean="0"/>
-              <a:t>03/12/2022</a:t>
+              <a:t>04/12/2022</a:t>
             </a:fld>
             <a:endParaRPr lang="pt-BR"/>
           </a:p>
@@ -7807,7 +8020,7 @@
           <a:p>
             <a:fld id="{ED2383C3-F930-4DE8-BC2A-37CACE510DBB}" type="datetimeFigureOut">
               <a:rPr lang="pt-BR" smtClean="0"/>
-              <a:t>03/12/2022</a:t>
+              <a:t>04/12/2022</a:t>
             </a:fld>
             <a:endParaRPr lang="pt-BR"/>
           </a:p>
@@ -8048,7 +8261,7 @@
           <a:p>
             <a:fld id="{ED2383C3-F930-4DE8-BC2A-37CACE510DBB}" type="datetimeFigureOut">
               <a:rPr lang="pt-BR" smtClean="0"/>
-              <a:t>03/12/2022</a:t>
+              <a:t>04/12/2022</a:t>
             </a:fld>
             <a:endParaRPr lang="pt-BR"/>
           </a:p>
@@ -10467,7 +10680,7 @@
               <a:rPr lang="pt-BR" dirty="0">
                 <a:latin typeface="Tenorite Bold"/>
               </a:rPr>
-              <a:t>Aplicar o Docker para virtualizar todo o banco de dados aplicado dentro da AWS</a:t>
+              <a:t>Arquitetura do Projeto &amp; Aplicação na Azure e na AWS; </a:t>
             </a:r>
           </a:p>
         </p:txBody>
@@ -10549,7 +10762,7 @@
               <a:rPr lang="pt-BR" dirty="0">
                 <a:latin typeface="Tenorite Bold"/>
               </a:rPr>
-              <a:t>Trabalhar para fornecer uma analise de negocio e tomada de decisão mais eficaz na nossa dashboard</a:t>
+              <a:t>Equilibrar os nível técnico do time e manter uma comunicação estável</a:t>
             </a:r>
           </a:p>
         </p:txBody>
@@ -10595,7 +10808,7 @@
                 </a:solidFill>
                 <a:latin typeface="Tenorite Bold"/>
               </a:rPr>
-              <a:t>O futuro </a:t>
+              <a:t>futuro </a:t>
             </a:r>
           </a:p>
         </p:txBody>
@@ -10633,19 +10846,7 @@
               <a:rPr lang="pt-BR" dirty="0">
                 <a:latin typeface="Tenorite Bold"/>
               </a:rPr>
-              <a:t>Automatizar por completo a consulta e criação na </a:t>
-            </a:r>
-            <a:r>
-              <a:rPr lang="pt-BR" u="sng" dirty="0">
-                <a:latin typeface="Tenorite Bold"/>
-              </a:rPr>
-              <a:t>dashboard</a:t>
-            </a:r>
-            <a:r>
-              <a:rPr lang="pt-BR" dirty="0">
-                <a:latin typeface="Tenorite Bold"/>
-              </a:rPr>
-              <a:t> para o monitoramento do sistema operacional </a:t>
+              <a:t>Continuar se desafiando e buscando desenvolvimento pessoal </a:t>
             </a:r>
           </a:p>
         </p:txBody>
@@ -12586,6 +12787,95 @@
     <p:extLst>
       <p:ext uri="{BB962C8B-B14F-4D97-AF65-F5344CB8AC3E}">
         <p14:creationId xmlns:p14="http://schemas.microsoft.com/office/powerpoint/2010/main" val="3972608977"/>
+      </p:ext>
+    </p:extLst>
+  </p:cSld>
+  <p:clrMapOvr>
+    <a:masterClrMapping/>
+  </p:clrMapOvr>
+  <mc:AlternateContent xmlns:mc="http://schemas.openxmlformats.org/markup-compatibility/2006" xmlns:p14="http://schemas.microsoft.com/office/powerpoint/2010/main">
+    <mc:Choice Requires="p14">
+      <p:transition spd="med" p14:dur="700">
+        <p:fade/>
+      </p:transition>
+    </mc:Choice>
+    <mc:Fallback xmlns="">
+      <p:transition spd="med">
+        <p:fade/>
+      </p:transition>
+    </mc:Fallback>
+  </mc:AlternateContent>
+</p:sld>
+</file>
+
+<file path=ppt/slides/slide19.xml><?xml version="1.0" encoding="utf-8"?>
+<p:sld xmlns:a="http://schemas.openxmlformats.org/drawingml/2006/main" xmlns:r="http://schemas.openxmlformats.org/officeDocument/2006/relationships" xmlns:p="http://schemas.openxmlformats.org/presentationml/2006/main">
+  <p:cSld>
+    <p:spTree>
+      <p:nvGrpSpPr>
+        <p:cNvPr id="1" name="Shape 184"/>
+        <p:cNvGrpSpPr/>
+        <p:nvPr/>
+      </p:nvGrpSpPr>
+      <p:grpSpPr>
+        <a:xfrm>
+          <a:off x="0" y="0"/>
+          <a:ext cx="0" cy="0"/>
+          <a:chOff x="0" y="0"/>
+          <a:chExt cx="0" cy="0"/>
+        </a:xfrm>
+      </p:grpSpPr>
+      <p:pic>
+        <p:nvPicPr>
+          <p:cNvPr id="1026" name="Picture 2" descr="SPTECH | Home">
+            <a:extLst>
+              <a:ext uri="{FF2B5EF4-FFF2-40B4-BE49-F238E27FC236}">
+                <a16:creationId xmlns:a16="http://schemas.microsoft.com/office/drawing/2014/main" id="{3AE6E602-63F7-A4AF-5C13-40A56A9B2EE4}"/>
+              </a:ext>
+            </a:extLst>
+          </p:cNvPr>
+          <p:cNvPicPr>
+            <a:picLocks noChangeAspect="1" noChangeArrowheads="1"/>
+          </p:cNvPicPr>
+          <p:nvPr/>
+        </p:nvPicPr>
+        <p:blipFill>
+          <a:blip r:embed="rId3">
+            <a:extLst>
+              <a:ext uri="{28A0092B-C50C-407E-A947-70E740481C1C}">
+                <a14:useLocalDpi xmlns:a14="http://schemas.microsoft.com/office/drawing/2010/main" val="0"/>
+              </a:ext>
+            </a:extLst>
+          </a:blip>
+          <a:srcRect/>
+          <a:stretch>
+            <a:fillRect/>
+          </a:stretch>
+        </p:blipFill>
+        <p:spPr bwMode="auto">
+          <a:xfrm>
+            <a:off x="2498868" y="812395"/>
+            <a:ext cx="7194263" cy="5233210"/>
+          </a:xfrm>
+          <a:prstGeom prst="rect">
+            <a:avLst/>
+          </a:prstGeom>
+          <a:noFill/>
+          <a:extLst>
+            <a:ext uri="{909E8E84-426E-40DD-AFC4-6F175D3DCCD1}">
+              <a14:hiddenFill xmlns:a14="http://schemas.microsoft.com/office/drawing/2010/main">
+                <a:solidFill>
+                  <a:srgbClr val="FFFFFF"/>
+                </a:solidFill>
+              </a14:hiddenFill>
+            </a:ext>
+          </a:extLst>
+        </p:spPr>
+      </p:pic>
+    </p:spTree>
+    <p:extLst>
+      <p:ext uri="{BB962C8B-B14F-4D97-AF65-F5344CB8AC3E}">
+        <p14:creationId xmlns:p14="http://schemas.microsoft.com/office/powerpoint/2010/main" val="2268549994"/>
       </p:ext>
     </p:extLst>
   </p:cSld>
@@ -24102,6 +24392,12 @@
 </file>
 
 <file path=customXml/item1.xml><?xml version="1.0" encoding="utf-8"?>
+<p:properties xmlns:p="http://schemas.microsoft.com/office/2006/metadata/properties" xmlns:xsi="http://www.w3.org/2001/XMLSchema-instance" xmlns:pc="http://schemas.microsoft.com/office/infopath/2007/PartnerControls">
+  <documentManagement/>
+</p:properties>
+</file>
+
+<file path=customXml/item2.xml><?xml version="1.0" encoding="utf-8"?>
 <ct:contentTypeSchema xmlns:ct="http://schemas.microsoft.com/office/2006/metadata/contentType" xmlns:ma="http://schemas.microsoft.com/office/2006/metadata/properties/metaAttributes" ct:_="" ma:_="" ma:contentTypeName="Document" ma:contentTypeID="0x010100892A8A68E1C8AD4BB8607B0553D331B3" ma:contentTypeVersion="11" ma:contentTypeDescription="Create a new document." ma:contentTypeScope="" ma:versionID="2ae1789c1cf667be5c607601aecc52ee">
   <xsd:schema xmlns:xsd="http://www.w3.org/2001/XMLSchema" xmlns:xs="http://www.w3.org/2001/XMLSchema" xmlns:p="http://schemas.microsoft.com/office/2006/metadata/properties" xmlns:ns3="7a087c55-5f08-466c-910b-e029fd4269fe" xmlns:ns4="e2ca784f-4dc5-42e9-9734-389708ce15cc" targetNamespace="http://schemas.microsoft.com/office/2006/metadata/properties" ma:root="true" ma:fieldsID="96f94ffd50053fd8edc7f22618922411" ns3:_="" ns4:_="">
     <xsd:import namespace="7a087c55-5f08-466c-910b-e029fd4269fe"/>
@@ -24312,12 +24608,6 @@
 </ct:contentTypeSchema>
 </file>
 
-<file path=customXml/item2.xml><?xml version="1.0" encoding="utf-8"?>
-<p:properties xmlns:p="http://schemas.microsoft.com/office/2006/metadata/properties" xmlns:xsi="http://www.w3.org/2001/XMLSchema-instance" xmlns:pc="http://schemas.microsoft.com/office/infopath/2007/PartnerControls">
-  <documentManagement/>
-</p:properties>
-</file>
-
 <file path=customXml/item3.xml><?xml version="1.0" encoding="utf-8"?>
 <?mso-contentType ?>
 <FormTemplates xmlns="http://schemas.microsoft.com/sharepoint/v3/contenttype/forms">
@@ -24328,6 +24618,23 @@
 </file>
 
 <file path=customXml/itemProps1.xml><?xml version="1.0" encoding="utf-8"?>
+<ds:datastoreItem xmlns:ds="http://schemas.openxmlformats.org/officeDocument/2006/customXml" ds:itemID="{427C1F99-ABD7-4C52-8702-38547D486751}">
+  <ds:schemaRefs>
+    <ds:schemaRef ds:uri="http://schemas.openxmlformats.org/package/2006/metadata/core-properties"/>
+    <ds:schemaRef ds:uri="http://www.w3.org/XML/1998/namespace"/>
+    <ds:schemaRef ds:uri="http://schemas.microsoft.com/office/2006/documentManagement/types"/>
+    <ds:schemaRef ds:uri="http://purl.org/dc/terms/"/>
+    <ds:schemaRef ds:uri="http://schemas.microsoft.com/office/infopath/2007/PartnerControls"/>
+    <ds:schemaRef ds:uri="http://purl.org/dc/dcmitype/"/>
+    <ds:schemaRef ds:uri="e2ca784f-4dc5-42e9-9734-389708ce15cc"/>
+    <ds:schemaRef ds:uri="7a087c55-5f08-466c-910b-e029fd4269fe"/>
+    <ds:schemaRef ds:uri="http://schemas.microsoft.com/office/2006/metadata/properties"/>
+    <ds:schemaRef ds:uri="http://purl.org/dc/elements/1.1/"/>
+  </ds:schemaRefs>
+</ds:datastoreItem>
+</file>
+
+<file path=customXml/itemProps2.xml><?xml version="1.0" encoding="utf-8"?>
 <ds:datastoreItem xmlns:ds="http://schemas.openxmlformats.org/officeDocument/2006/customXml" ds:itemID="{19E69D01-E10D-4FC2-B769-1AB9E274EE4E}">
   <ds:schemaRefs>
     <ds:schemaRef ds:uri="http://schemas.microsoft.com/office/2006/metadata/contentType"/>
@@ -24346,23 +24653,6 @@
 </ds:datastoreItem>
 </file>
 
-<file path=customXml/itemProps2.xml><?xml version="1.0" encoding="utf-8"?>
-<ds:datastoreItem xmlns:ds="http://schemas.openxmlformats.org/officeDocument/2006/customXml" ds:itemID="{427C1F99-ABD7-4C52-8702-38547D486751}">
-  <ds:schemaRefs>
-    <ds:schemaRef ds:uri="http://schemas.openxmlformats.org/package/2006/metadata/core-properties"/>
-    <ds:schemaRef ds:uri="http://www.w3.org/XML/1998/namespace"/>
-    <ds:schemaRef ds:uri="http://schemas.microsoft.com/office/2006/documentManagement/types"/>
-    <ds:schemaRef ds:uri="http://purl.org/dc/terms/"/>
-    <ds:schemaRef ds:uri="http://schemas.microsoft.com/office/infopath/2007/PartnerControls"/>
-    <ds:schemaRef ds:uri="http://purl.org/dc/dcmitype/"/>
-    <ds:schemaRef ds:uri="e2ca784f-4dc5-42e9-9734-389708ce15cc"/>
-    <ds:schemaRef ds:uri="7a087c55-5f08-466c-910b-e029fd4269fe"/>
-    <ds:schemaRef ds:uri="http://schemas.microsoft.com/office/2006/metadata/properties"/>
-    <ds:schemaRef ds:uri="http://purl.org/dc/elements/1.1/"/>
-  </ds:schemaRefs>
-</ds:datastoreItem>
-</file>
-
 <file path=customXml/itemProps3.xml><?xml version="1.0" encoding="utf-8"?>
 <ds:datastoreItem xmlns:ds="http://schemas.openxmlformats.org/officeDocument/2006/customXml" ds:itemID="{935C6016-97BE-41F8-8E38-B04F8AC004D3}">
   <ds:schemaRefs>
